--- a/doc/percolator_diagramm.pptx
+++ b/doc/percolator_diagramm.pptx
@@ -208,7 +208,7 @@
           <a:p>
             <a:fld id="{77252EE3-90CE-4B7F-90DF-5CB6B0814781}" type="datetimeFigureOut">
               <a:rPr lang="en-US" smtClean="0"/>
-              <a:t>8/2/2020</a:t>
+              <a:t>8/8/2020</a:t>
             </a:fld>
             <a:endParaRPr lang="en-US"/>
           </a:p>
@@ -691,7 +691,7 @@
           <a:p>
             <a:fld id="{F9AF50FD-2131-4746-871C-6C3981CDCFE1}" type="datetimeFigureOut">
               <a:rPr lang="en-US" smtClean="0"/>
-              <a:t>8/2/2020</a:t>
+              <a:t>8/8/2020</a:t>
             </a:fld>
             <a:endParaRPr lang="en-US"/>
           </a:p>
@@ -861,7 +861,7 @@
           <a:p>
             <a:fld id="{F9AF50FD-2131-4746-871C-6C3981CDCFE1}" type="datetimeFigureOut">
               <a:rPr lang="en-US" smtClean="0"/>
-              <a:t>8/2/2020</a:t>
+              <a:t>8/8/2020</a:t>
             </a:fld>
             <a:endParaRPr lang="en-US"/>
           </a:p>
@@ -1041,7 +1041,7 @@
           <a:p>
             <a:fld id="{F9AF50FD-2131-4746-871C-6C3981CDCFE1}" type="datetimeFigureOut">
               <a:rPr lang="en-US" smtClean="0"/>
-              <a:t>8/2/2020</a:t>
+              <a:t>8/8/2020</a:t>
             </a:fld>
             <a:endParaRPr lang="en-US"/>
           </a:p>
@@ -1211,7 +1211,7 @@
           <a:p>
             <a:fld id="{F9AF50FD-2131-4746-871C-6C3981CDCFE1}" type="datetimeFigureOut">
               <a:rPr lang="en-US" smtClean="0"/>
-              <a:t>8/2/2020</a:t>
+              <a:t>8/8/2020</a:t>
             </a:fld>
             <a:endParaRPr lang="en-US"/>
           </a:p>
@@ -1457,7 +1457,7 @@
           <a:p>
             <a:fld id="{F9AF50FD-2131-4746-871C-6C3981CDCFE1}" type="datetimeFigureOut">
               <a:rPr lang="en-US" smtClean="0"/>
-              <a:t>8/2/2020</a:t>
+              <a:t>8/8/2020</a:t>
             </a:fld>
             <a:endParaRPr lang="en-US"/>
           </a:p>
@@ -1689,7 +1689,7 @@
           <a:p>
             <a:fld id="{F9AF50FD-2131-4746-871C-6C3981CDCFE1}" type="datetimeFigureOut">
               <a:rPr lang="en-US" smtClean="0"/>
-              <a:t>8/2/2020</a:t>
+              <a:t>8/8/2020</a:t>
             </a:fld>
             <a:endParaRPr lang="en-US"/>
           </a:p>
@@ -2056,7 +2056,7 @@
           <a:p>
             <a:fld id="{F9AF50FD-2131-4746-871C-6C3981CDCFE1}" type="datetimeFigureOut">
               <a:rPr lang="en-US" smtClean="0"/>
-              <a:t>8/2/2020</a:t>
+              <a:t>8/8/2020</a:t>
             </a:fld>
             <a:endParaRPr lang="en-US"/>
           </a:p>
@@ -2174,7 +2174,7 @@
           <a:p>
             <a:fld id="{F9AF50FD-2131-4746-871C-6C3981CDCFE1}" type="datetimeFigureOut">
               <a:rPr lang="en-US" smtClean="0"/>
-              <a:t>8/2/2020</a:t>
+              <a:t>8/8/2020</a:t>
             </a:fld>
             <a:endParaRPr lang="en-US"/>
           </a:p>
@@ -2269,7 +2269,7 @@
           <a:p>
             <a:fld id="{F9AF50FD-2131-4746-871C-6C3981CDCFE1}" type="datetimeFigureOut">
               <a:rPr lang="en-US" smtClean="0"/>
-              <a:t>8/2/2020</a:t>
+              <a:t>8/8/2020</a:t>
             </a:fld>
             <a:endParaRPr lang="en-US"/>
           </a:p>
@@ -2546,7 +2546,7 @@
           <a:p>
             <a:fld id="{F9AF50FD-2131-4746-871C-6C3981CDCFE1}" type="datetimeFigureOut">
               <a:rPr lang="en-US" smtClean="0"/>
-              <a:t>8/2/2020</a:t>
+              <a:t>8/8/2020</a:t>
             </a:fld>
             <a:endParaRPr lang="en-US"/>
           </a:p>
@@ -2799,7 +2799,7 @@
           <a:p>
             <a:fld id="{F9AF50FD-2131-4746-871C-6C3981CDCFE1}" type="datetimeFigureOut">
               <a:rPr lang="en-US" smtClean="0"/>
-              <a:t>8/2/2020</a:t>
+              <a:t>8/8/2020</a:t>
             </a:fld>
             <a:endParaRPr lang="en-US"/>
           </a:p>
@@ -3012,7 +3012,7 @@
           <a:p>
             <a:fld id="{F9AF50FD-2131-4746-871C-6C3981CDCFE1}" type="datetimeFigureOut">
               <a:rPr lang="en-US" smtClean="0"/>
-              <a:t>8/2/2020</a:t>
+              <a:t>8/8/2020</a:t>
             </a:fld>
             <a:endParaRPr lang="en-US"/>
           </a:p>
@@ -5709,459 +5709,6 @@
           </p:txBody>
         </p:sp>
       </p:grpSp>
-      <p:sp>
-        <p:nvSpPr>
-          <p:cNvPr id="70" name="Pfeil nach rechts 69"/>
-          <p:cNvSpPr/>
-          <p:nvPr/>
-        </p:nvSpPr>
-        <p:spPr>
-          <a:xfrm>
-            <a:off x="5562667" y="3999844"/>
-            <a:ext cx="961043" cy="1004319"/>
-          </a:xfrm>
-          <a:prstGeom prst="rightArrow">
-            <a:avLst/>
-          </a:prstGeom>
-        </p:spPr>
-        <p:style>
-          <a:lnRef idx="2">
-            <a:schemeClr val="accent1">
-              <a:shade val="50000"/>
-            </a:schemeClr>
-          </a:lnRef>
-          <a:fillRef idx="1">
-            <a:schemeClr val="accent1"/>
-          </a:fillRef>
-          <a:effectRef idx="0">
-            <a:schemeClr val="accent1"/>
-          </a:effectRef>
-          <a:fontRef idx="minor">
-            <a:schemeClr val="lt1"/>
-          </a:fontRef>
-        </p:style>
-        <p:txBody>
-          <a:bodyPr rtlCol="0" anchor="ctr"/>
-          <a:lstStyle/>
-          <a:p>
-            <a:pPr algn="ctr"/>
-            <a:endParaRPr lang="en-US"/>
-          </a:p>
-        </p:txBody>
-      </p:sp>
-      <p:grpSp>
-        <p:nvGrpSpPr>
-          <p:cNvPr id="79" name="Gruppieren 78"/>
-          <p:cNvGrpSpPr/>
-          <p:nvPr/>
-        </p:nvGrpSpPr>
-        <p:grpSpPr>
-          <a:xfrm>
-            <a:off x="1035050" y="3365863"/>
-            <a:ext cx="3079750" cy="2672968"/>
-            <a:chOff x="1035050" y="3562350"/>
-            <a:chExt cx="3079750" cy="2672968"/>
-          </a:xfrm>
-        </p:grpSpPr>
-        <p:sp>
-          <p:nvSpPr>
-            <p:cNvPr id="72" name="Abgerundetes Rechteck 71"/>
-            <p:cNvSpPr/>
-            <p:nvPr/>
-          </p:nvSpPr>
-          <p:spPr>
-            <a:xfrm>
-              <a:off x="1035050" y="3562350"/>
-              <a:ext cx="3079750" cy="2672968"/>
-            </a:xfrm>
-            <a:prstGeom prst="roundRect">
-              <a:avLst/>
-            </a:prstGeom>
-            <a:noFill/>
-          </p:spPr>
-          <p:style>
-            <a:lnRef idx="2">
-              <a:schemeClr val="accent1">
-                <a:shade val="50000"/>
-              </a:schemeClr>
-            </a:lnRef>
-            <a:fillRef idx="1">
-              <a:schemeClr val="accent1"/>
-            </a:fillRef>
-            <a:effectRef idx="0">
-              <a:schemeClr val="accent1"/>
-            </a:effectRef>
-            <a:fontRef idx="minor">
-              <a:schemeClr val="lt1"/>
-            </a:fontRef>
-          </p:style>
-          <p:txBody>
-            <a:bodyPr rtlCol="0" anchor="ctr"/>
-            <a:lstStyle/>
-            <a:p>
-              <a:pPr algn="ctr"/>
-              <a:endParaRPr lang="en-US"/>
-            </a:p>
-          </p:txBody>
-        </p:sp>
-        <p:grpSp>
-          <p:nvGrpSpPr>
-            <p:cNvPr id="66" name="Gruppieren 65"/>
-            <p:cNvGrpSpPr/>
-            <p:nvPr/>
-          </p:nvGrpSpPr>
-          <p:grpSpPr>
-            <a:xfrm>
-              <a:off x="1062473" y="5061720"/>
-              <a:ext cx="3025140" cy="539496"/>
-              <a:chOff x="1586842" y="4783312"/>
-              <a:chExt cx="3025140" cy="539496"/>
-            </a:xfrm>
-          </p:grpSpPr>
-          <p:sp>
-            <p:nvSpPr>
-              <p:cNvPr id="56" name="Abgerundetes Rechteck 55"/>
-              <p:cNvSpPr/>
-              <p:nvPr/>
-            </p:nvSpPr>
-            <p:spPr>
-              <a:xfrm>
-                <a:off x="1586842" y="4783312"/>
-                <a:ext cx="3025140" cy="539496"/>
-              </a:xfrm>
-              <a:prstGeom prst="roundRect">
-                <a:avLst/>
-              </a:prstGeom>
-              <a:pattFill prst="wdDnDiag">
-                <a:fgClr>
-                  <a:srgbClr val="FF0000"/>
-                </a:fgClr>
-                <a:bgClr>
-                  <a:schemeClr val="accent1"/>
-                </a:bgClr>
-              </a:pattFill>
-            </p:spPr>
-            <p:style>
-              <a:lnRef idx="2">
-                <a:schemeClr val="accent1">
-                  <a:shade val="50000"/>
-                </a:schemeClr>
-              </a:lnRef>
-              <a:fillRef idx="1">
-                <a:schemeClr val="accent1"/>
-              </a:fillRef>
-              <a:effectRef idx="0">
-                <a:schemeClr val="accent1"/>
-              </a:effectRef>
-              <a:fontRef idx="minor">
-                <a:schemeClr val="lt1"/>
-              </a:fontRef>
-            </p:style>
-            <p:txBody>
-              <a:bodyPr rtlCol="0" anchor="ctr"/>
-              <a:lstStyle/>
-              <a:p>
-                <a:pPr algn="ctr"/>
-                <a:endParaRPr lang="en-US"/>
-              </a:p>
-            </p:txBody>
-          </p:sp>
-          <p:sp>
-            <p:nvSpPr>
-              <p:cNvPr id="57" name="Abgerundetes Rechteck 56"/>
-              <p:cNvSpPr/>
-              <p:nvPr/>
-            </p:nvSpPr>
-            <p:spPr>
-              <a:xfrm>
-                <a:off x="4051300" y="4783312"/>
-                <a:ext cx="560682" cy="539496"/>
-              </a:xfrm>
-              <a:prstGeom prst="roundRect">
-                <a:avLst/>
-              </a:prstGeom>
-              <a:solidFill>
-                <a:srgbClr val="00B050"/>
-              </a:solidFill>
-              <a:ln>
-                <a:noFill/>
-              </a:ln>
-            </p:spPr>
-            <p:style>
-              <a:lnRef idx="2">
-                <a:schemeClr val="accent1">
-                  <a:shade val="50000"/>
-                </a:schemeClr>
-              </a:lnRef>
-              <a:fillRef idx="1">
-                <a:schemeClr val="accent1"/>
-              </a:fillRef>
-              <a:effectRef idx="0">
-                <a:schemeClr val="accent1"/>
-              </a:effectRef>
-              <a:fontRef idx="minor">
-                <a:schemeClr val="lt1"/>
-              </a:fontRef>
-            </p:style>
-            <p:txBody>
-              <a:bodyPr rtlCol="0" anchor="ctr"/>
-              <a:lstStyle/>
-              <a:p>
-                <a:pPr algn="ctr"/>
-                <a:endParaRPr lang="en-US"/>
-              </a:p>
-            </p:txBody>
-          </p:sp>
-          <p:sp>
-            <p:nvSpPr>
-              <p:cNvPr id="58" name="Abgerundetes Rechteck 57"/>
-              <p:cNvSpPr/>
-              <p:nvPr/>
-            </p:nvSpPr>
-            <p:spPr>
-              <a:xfrm>
-                <a:off x="4051300" y="4783312"/>
-                <a:ext cx="234950" cy="539496"/>
-              </a:xfrm>
-              <a:prstGeom prst="roundRect">
-                <a:avLst/>
-              </a:prstGeom>
-              <a:pattFill prst="wdDnDiag">
-                <a:fgClr>
-                  <a:srgbClr val="C00000"/>
-                </a:fgClr>
-                <a:bgClr>
-                  <a:srgbClr val="00B050"/>
-                </a:bgClr>
-              </a:pattFill>
-              <a:ln>
-                <a:noFill/>
-              </a:ln>
-            </p:spPr>
-            <p:style>
-              <a:lnRef idx="2">
-                <a:schemeClr val="accent1">
-                  <a:shade val="50000"/>
-                </a:schemeClr>
-              </a:lnRef>
-              <a:fillRef idx="1">
-                <a:schemeClr val="accent1"/>
-              </a:fillRef>
-              <a:effectRef idx="0">
-                <a:schemeClr val="accent1"/>
-              </a:effectRef>
-              <a:fontRef idx="minor">
-                <a:schemeClr val="lt1"/>
-              </a:fontRef>
-            </p:style>
-            <p:txBody>
-              <a:bodyPr rtlCol="0" anchor="ctr"/>
-              <a:lstStyle/>
-              <a:p>
-                <a:pPr algn="ctr"/>
-                <a:endParaRPr lang="en-US"/>
-              </a:p>
-            </p:txBody>
-          </p:sp>
-        </p:grpSp>
-        <p:sp>
-          <p:nvSpPr>
-            <p:cNvPr id="59" name="Abgerundetes Rechteck 58"/>
-            <p:cNvSpPr/>
-            <p:nvPr/>
-          </p:nvSpPr>
-          <p:spPr>
-            <a:xfrm>
-              <a:off x="1062474" y="4125495"/>
-              <a:ext cx="1508760" cy="539496"/>
-            </a:xfrm>
-            <a:prstGeom prst="roundRect">
-              <a:avLst/>
-            </a:prstGeom>
-          </p:spPr>
-          <p:style>
-            <a:lnRef idx="2">
-              <a:schemeClr val="accent1">
-                <a:shade val="50000"/>
-              </a:schemeClr>
-            </a:lnRef>
-            <a:fillRef idx="1">
-              <a:schemeClr val="accent1"/>
-            </a:fillRef>
-            <a:effectRef idx="0">
-              <a:schemeClr val="accent1"/>
-            </a:effectRef>
-            <a:fontRef idx="minor">
-              <a:schemeClr val="lt1"/>
-            </a:fontRef>
-          </p:style>
-          <p:txBody>
-            <a:bodyPr rtlCol="0" anchor="ctr"/>
-            <a:lstStyle/>
-            <a:p>
-              <a:pPr algn="ctr"/>
-              <a:endParaRPr lang="en-US"/>
-            </a:p>
-          </p:txBody>
-        </p:sp>
-        <p:sp>
-          <p:nvSpPr>
-            <p:cNvPr id="60" name="Abgerundetes Rechteck 59"/>
-            <p:cNvSpPr/>
-            <p:nvPr/>
-          </p:nvSpPr>
-          <p:spPr>
-            <a:xfrm>
-              <a:off x="2578854" y="4125495"/>
-              <a:ext cx="1508760" cy="539496"/>
-            </a:xfrm>
-            <a:prstGeom prst="roundRect">
-              <a:avLst/>
-            </a:prstGeom>
-          </p:spPr>
-          <p:style>
-            <a:lnRef idx="2">
-              <a:schemeClr val="accent1">
-                <a:shade val="50000"/>
-              </a:schemeClr>
-            </a:lnRef>
-            <a:fillRef idx="1">
-              <a:schemeClr val="accent1"/>
-            </a:fillRef>
-            <a:effectRef idx="0">
-              <a:schemeClr val="accent1"/>
-            </a:effectRef>
-            <a:fontRef idx="minor">
-              <a:schemeClr val="lt1"/>
-            </a:fontRef>
-          </p:style>
-          <p:txBody>
-            <a:bodyPr rtlCol="0" anchor="ctr"/>
-            <a:lstStyle/>
-            <a:p>
-              <a:pPr algn="ctr"/>
-              <a:endParaRPr lang="en-US"/>
-            </a:p>
-          </p:txBody>
-        </p:sp>
-        <p:sp>
-          <p:nvSpPr>
-            <p:cNvPr id="61" name="Textfeld 60"/>
-            <p:cNvSpPr txBox="1"/>
-            <p:nvPr/>
-          </p:nvSpPr>
-          <p:spPr>
-            <a:xfrm>
-              <a:off x="1062474" y="5764030"/>
-              <a:ext cx="1508760" cy="369332"/>
-            </a:xfrm>
-            <a:prstGeom prst="rect">
-              <a:avLst/>
-            </a:prstGeom>
-            <a:noFill/>
-          </p:spPr>
-          <p:txBody>
-            <a:bodyPr wrap="square" rtlCol="0">
-              <a:spAutoFit/>
-            </a:bodyPr>
-            <a:lstStyle/>
-            <a:p>
-              <a:pPr algn="ctr"/>
-              <a:r>
-                <a:rPr lang="en-US" smtClean="0">
-                  <a:solidFill>
-                    <a:srgbClr val="C00000"/>
-                  </a:solidFill>
-                </a:rPr>
-                <a:t>Decoys</a:t>
-              </a:r>
-              <a:endParaRPr lang="en-US">
-                <a:solidFill>
-                  <a:srgbClr val="C00000"/>
-                </a:solidFill>
-              </a:endParaRPr>
-            </a:p>
-          </p:txBody>
-        </p:sp>
-        <p:sp>
-          <p:nvSpPr>
-            <p:cNvPr id="62" name="Textfeld 61"/>
-            <p:cNvSpPr txBox="1"/>
-            <p:nvPr/>
-          </p:nvSpPr>
-          <p:spPr>
-            <a:xfrm>
-              <a:off x="2578853" y="5764030"/>
-              <a:ext cx="1508760" cy="369332"/>
-            </a:xfrm>
-            <a:prstGeom prst="rect">
-              <a:avLst/>
-            </a:prstGeom>
-            <a:noFill/>
-          </p:spPr>
-          <p:txBody>
-            <a:bodyPr wrap="square" rtlCol="0">
-              <a:spAutoFit/>
-            </a:bodyPr>
-            <a:lstStyle/>
-            <a:p>
-              <a:pPr algn="ctr"/>
-              <a:r>
-                <a:rPr lang="en-US" smtClean="0">
-                  <a:solidFill>
-                    <a:srgbClr val="00B050"/>
-                  </a:solidFill>
-                </a:rPr>
-                <a:t>5% q-value</a:t>
-              </a:r>
-              <a:endParaRPr lang="en-US">
-                <a:solidFill>
-                  <a:srgbClr val="00B050"/>
-                </a:solidFill>
-              </a:endParaRPr>
-            </a:p>
-          </p:txBody>
-        </p:sp>
-        <p:sp>
-          <p:nvSpPr>
-            <p:cNvPr id="65" name="Textfeld 64"/>
-            <p:cNvSpPr txBox="1"/>
-            <p:nvPr/>
-          </p:nvSpPr>
-          <p:spPr>
-            <a:xfrm>
-              <a:off x="1062473" y="3587497"/>
-              <a:ext cx="3025140" cy="369332"/>
-            </a:xfrm>
-            <a:prstGeom prst="rect">
-              <a:avLst/>
-            </a:prstGeom>
-            <a:noFill/>
-          </p:spPr>
-          <p:txBody>
-            <a:bodyPr wrap="square" rtlCol="0">
-              <a:spAutoFit/>
-            </a:bodyPr>
-            <a:lstStyle/>
-            <a:p>
-              <a:pPr algn="ctr"/>
-              <a:r>
-                <a:rPr lang="en-US" b="1" smtClean="0">
-                  <a:solidFill>
-                    <a:schemeClr val="accent1"/>
-                  </a:solidFill>
-                </a:rPr>
-                <a:t>Training</a:t>
-              </a:r>
-              <a:endParaRPr lang="en-US" b="1">
-                <a:solidFill>
-                  <a:schemeClr val="accent1"/>
-                </a:solidFill>
-              </a:endParaRPr>
-            </a:p>
-          </p:txBody>
-        </p:sp>
-      </p:grpSp>
       <p:grpSp>
         <p:nvGrpSpPr>
           <p:cNvPr id="80" name="Gruppieren 79"/>
@@ -6612,6 +6159,583 @@
           </a:p>
         </p:txBody>
       </p:sp>
+      <p:grpSp>
+        <p:nvGrpSpPr>
+          <p:cNvPr id="3" name="Gruppieren 2"/>
+          <p:cNvGrpSpPr/>
+          <p:nvPr/>
+        </p:nvGrpSpPr>
+        <p:grpSpPr>
+          <a:xfrm>
+            <a:off x="1035050" y="3365863"/>
+            <a:ext cx="5631549" cy="2672968"/>
+            <a:chOff x="1035050" y="3365863"/>
+            <a:chExt cx="5631549" cy="2672968"/>
+          </a:xfrm>
+        </p:grpSpPr>
+        <p:grpSp>
+          <p:nvGrpSpPr>
+            <p:cNvPr id="79" name="Gruppieren 78"/>
+            <p:cNvGrpSpPr/>
+            <p:nvPr/>
+          </p:nvGrpSpPr>
+          <p:grpSpPr>
+            <a:xfrm>
+              <a:off x="1035050" y="3365863"/>
+              <a:ext cx="3079750" cy="2672968"/>
+              <a:chOff x="1035050" y="3562350"/>
+              <a:chExt cx="3079750" cy="2672968"/>
+            </a:xfrm>
+          </p:grpSpPr>
+          <p:sp>
+            <p:nvSpPr>
+              <p:cNvPr id="72" name="Abgerundetes Rechteck 71"/>
+              <p:cNvSpPr/>
+              <p:nvPr/>
+            </p:nvSpPr>
+            <p:spPr>
+              <a:xfrm>
+                <a:off x="1035050" y="3562350"/>
+                <a:ext cx="3079750" cy="2672968"/>
+              </a:xfrm>
+              <a:prstGeom prst="roundRect">
+                <a:avLst/>
+              </a:prstGeom>
+              <a:noFill/>
+            </p:spPr>
+            <p:style>
+              <a:lnRef idx="2">
+                <a:schemeClr val="accent1">
+                  <a:shade val="50000"/>
+                </a:schemeClr>
+              </a:lnRef>
+              <a:fillRef idx="1">
+                <a:schemeClr val="accent1"/>
+              </a:fillRef>
+              <a:effectRef idx="0">
+                <a:schemeClr val="accent1"/>
+              </a:effectRef>
+              <a:fontRef idx="minor">
+                <a:schemeClr val="lt1"/>
+              </a:fontRef>
+            </p:style>
+            <p:txBody>
+              <a:bodyPr rtlCol="0" anchor="ctr"/>
+              <a:lstStyle/>
+              <a:p>
+                <a:pPr algn="ctr"/>
+                <a:endParaRPr lang="en-US"/>
+              </a:p>
+            </p:txBody>
+          </p:sp>
+          <p:grpSp>
+            <p:nvGrpSpPr>
+              <p:cNvPr id="66" name="Gruppieren 65"/>
+              <p:cNvGrpSpPr/>
+              <p:nvPr/>
+            </p:nvGrpSpPr>
+            <p:grpSpPr>
+              <a:xfrm>
+                <a:off x="1062473" y="5061720"/>
+                <a:ext cx="3025140" cy="539496"/>
+                <a:chOff x="1586842" y="4783312"/>
+                <a:chExt cx="3025140" cy="539496"/>
+              </a:xfrm>
+            </p:grpSpPr>
+            <p:sp>
+              <p:nvSpPr>
+                <p:cNvPr id="56" name="Abgerundetes Rechteck 55"/>
+                <p:cNvSpPr/>
+                <p:nvPr/>
+              </p:nvSpPr>
+              <p:spPr>
+                <a:xfrm>
+                  <a:off x="1586842" y="4783312"/>
+                  <a:ext cx="3025140" cy="539496"/>
+                </a:xfrm>
+                <a:prstGeom prst="roundRect">
+                  <a:avLst/>
+                </a:prstGeom>
+                <a:pattFill prst="wdDnDiag">
+                  <a:fgClr>
+                    <a:srgbClr val="FF0000"/>
+                  </a:fgClr>
+                  <a:bgClr>
+                    <a:schemeClr val="accent1"/>
+                  </a:bgClr>
+                </a:pattFill>
+              </p:spPr>
+              <p:style>
+                <a:lnRef idx="2">
+                  <a:schemeClr val="accent1">
+                    <a:shade val="50000"/>
+                  </a:schemeClr>
+                </a:lnRef>
+                <a:fillRef idx="1">
+                  <a:schemeClr val="accent1"/>
+                </a:fillRef>
+                <a:effectRef idx="0">
+                  <a:schemeClr val="accent1"/>
+                </a:effectRef>
+                <a:fontRef idx="minor">
+                  <a:schemeClr val="lt1"/>
+                </a:fontRef>
+              </p:style>
+              <p:txBody>
+                <a:bodyPr rtlCol="0" anchor="ctr"/>
+                <a:lstStyle/>
+                <a:p>
+                  <a:pPr algn="ctr"/>
+                  <a:endParaRPr lang="en-US"/>
+                </a:p>
+              </p:txBody>
+            </p:sp>
+            <p:sp>
+              <p:nvSpPr>
+                <p:cNvPr id="57" name="Abgerundetes Rechteck 56"/>
+                <p:cNvSpPr/>
+                <p:nvPr/>
+              </p:nvSpPr>
+              <p:spPr>
+                <a:xfrm>
+                  <a:off x="4051300" y="4783312"/>
+                  <a:ext cx="560682" cy="539496"/>
+                </a:xfrm>
+                <a:prstGeom prst="roundRect">
+                  <a:avLst/>
+                </a:prstGeom>
+                <a:solidFill>
+                  <a:srgbClr val="00B050"/>
+                </a:solidFill>
+                <a:ln>
+                  <a:noFill/>
+                </a:ln>
+              </p:spPr>
+              <p:style>
+                <a:lnRef idx="2">
+                  <a:schemeClr val="accent1">
+                    <a:shade val="50000"/>
+                  </a:schemeClr>
+                </a:lnRef>
+                <a:fillRef idx="1">
+                  <a:schemeClr val="accent1"/>
+                </a:fillRef>
+                <a:effectRef idx="0">
+                  <a:schemeClr val="accent1"/>
+                </a:effectRef>
+                <a:fontRef idx="minor">
+                  <a:schemeClr val="lt1"/>
+                </a:fontRef>
+              </p:style>
+              <p:txBody>
+                <a:bodyPr rtlCol="0" anchor="ctr"/>
+                <a:lstStyle/>
+                <a:p>
+                  <a:pPr algn="ctr"/>
+                  <a:endParaRPr lang="en-US"/>
+                </a:p>
+              </p:txBody>
+            </p:sp>
+            <p:sp>
+              <p:nvSpPr>
+                <p:cNvPr id="58" name="Abgerundetes Rechteck 57"/>
+                <p:cNvSpPr/>
+                <p:nvPr/>
+              </p:nvSpPr>
+              <p:spPr>
+                <a:xfrm>
+                  <a:off x="4051300" y="4783312"/>
+                  <a:ext cx="234950" cy="539496"/>
+                </a:xfrm>
+                <a:prstGeom prst="roundRect">
+                  <a:avLst/>
+                </a:prstGeom>
+                <a:pattFill prst="wdDnDiag">
+                  <a:fgClr>
+                    <a:srgbClr val="C00000"/>
+                  </a:fgClr>
+                  <a:bgClr>
+                    <a:srgbClr val="00B050"/>
+                  </a:bgClr>
+                </a:pattFill>
+                <a:ln>
+                  <a:noFill/>
+                </a:ln>
+              </p:spPr>
+              <p:style>
+                <a:lnRef idx="2">
+                  <a:schemeClr val="accent1">
+                    <a:shade val="50000"/>
+                  </a:schemeClr>
+                </a:lnRef>
+                <a:fillRef idx="1">
+                  <a:schemeClr val="accent1"/>
+                </a:fillRef>
+                <a:effectRef idx="0">
+                  <a:schemeClr val="accent1"/>
+                </a:effectRef>
+                <a:fontRef idx="minor">
+                  <a:schemeClr val="lt1"/>
+                </a:fontRef>
+              </p:style>
+              <p:txBody>
+                <a:bodyPr rtlCol="0" anchor="ctr"/>
+                <a:lstStyle/>
+                <a:p>
+                  <a:pPr algn="ctr"/>
+                  <a:endParaRPr lang="en-US"/>
+                </a:p>
+              </p:txBody>
+            </p:sp>
+          </p:grpSp>
+          <p:sp>
+            <p:nvSpPr>
+              <p:cNvPr id="59" name="Abgerundetes Rechteck 58"/>
+              <p:cNvSpPr/>
+              <p:nvPr/>
+            </p:nvSpPr>
+            <p:spPr>
+              <a:xfrm>
+                <a:off x="1062474" y="4125495"/>
+                <a:ext cx="1508760" cy="539496"/>
+              </a:xfrm>
+              <a:prstGeom prst="roundRect">
+                <a:avLst/>
+              </a:prstGeom>
+            </p:spPr>
+            <p:style>
+              <a:lnRef idx="2">
+                <a:schemeClr val="accent1">
+                  <a:shade val="50000"/>
+                </a:schemeClr>
+              </a:lnRef>
+              <a:fillRef idx="1">
+                <a:schemeClr val="accent1"/>
+              </a:fillRef>
+              <a:effectRef idx="0">
+                <a:schemeClr val="accent1"/>
+              </a:effectRef>
+              <a:fontRef idx="minor">
+                <a:schemeClr val="lt1"/>
+              </a:fontRef>
+            </p:style>
+            <p:txBody>
+              <a:bodyPr rtlCol="0" anchor="ctr"/>
+              <a:lstStyle/>
+              <a:p>
+                <a:pPr algn="ctr"/>
+                <a:endParaRPr lang="en-US"/>
+              </a:p>
+            </p:txBody>
+          </p:sp>
+          <p:sp>
+            <p:nvSpPr>
+              <p:cNvPr id="60" name="Abgerundetes Rechteck 59"/>
+              <p:cNvSpPr/>
+              <p:nvPr/>
+            </p:nvSpPr>
+            <p:spPr>
+              <a:xfrm>
+                <a:off x="2578854" y="4125495"/>
+                <a:ext cx="1508760" cy="539496"/>
+              </a:xfrm>
+              <a:prstGeom prst="roundRect">
+                <a:avLst/>
+              </a:prstGeom>
+            </p:spPr>
+            <p:style>
+              <a:lnRef idx="2">
+                <a:schemeClr val="accent1">
+                  <a:shade val="50000"/>
+                </a:schemeClr>
+              </a:lnRef>
+              <a:fillRef idx="1">
+                <a:schemeClr val="accent1"/>
+              </a:fillRef>
+              <a:effectRef idx="0">
+                <a:schemeClr val="accent1"/>
+              </a:effectRef>
+              <a:fontRef idx="minor">
+                <a:schemeClr val="lt1"/>
+              </a:fontRef>
+            </p:style>
+            <p:txBody>
+              <a:bodyPr rtlCol="0" anchor="ctr"/>
+              <a:lstStyle/>
+              <a:p>
+                <a:pPr algn="ctr"/>
+                <a:endParaRPr lang="en-US"/>
+              </a:p>
+            </p:txBody>
+          </p:sp>
+          <p:sp>
+            <p:nvSpPr>
+              <p:cNvPr id="61" name="Textfeld 60"/>
+              <p:cNvSpPr txBox="1"/>
+              <p:nvPr/>
+            </p:nvSpPr>
+            <p:spPr>
+              <a:xfrm>
+                <a:off x="1062474" y="5764030"/>
+                <a:ext cx="1508760" cy="369332"/>
+              </a:xfrm>
+              <a:prstGeom prst="rect">
+                <a:avLst/>
+              </a:prstGeom>
+              <a:noFill/>
+            </p:spPr>
+            <p:txBody>
+              <a:bodyPr wrap="square" rtlCol="0">
+                <a:spAutoFit/>
+              </a:bodyPr>
+              <a:lstStyle/>
+              <a:p>
+                <a:pPr algn="ctr"/>
+                <a:r>
+                  <a:rPr lang="en-US" smtClean="0">
+                    <a:solidFill>
+                      <a:srgbClr val="C00000"/>
+                    </a:solidFill>
+                  </a:rPr>
+                  <a:t>Decoys</a:t>
+                </a:r>
+                <a:endParaRPr lang="en-US">
+                  <a:solidFill>
+                    <a:srgbClr val="C00000"/>
+                  </a:solidFill>
+                </a:endParaRPr>
+              </a:p>
+            </p:txBody>
+          </p:sp>
+          <p:sp>
+            <p:nvSpPr>
+              <p:cNvPr id="62" name="Textfeld 61"/>
+              <p:cNvSpPr txBox="1"/>
+              <p:nvPr/>
+            </p:nvSpPr>
+            <p:spPr>
+              <a:xfrm>
+                <a:off x="2578853" y="5764030"/>
+                <a:ext cx="1508760" cy="369332"/>
+              </a:xfrm>
+              <a:prstGeom prst="rect">
+                <a:avLst/>
+              </a:prstGeom>
+              <a:noFill/>
+            </p:spPr>
+            <p:txBody>
+              <a:bodyPr wrap="square" rtlCol="0">
+                <a:spAutoFit/>
+              </a:bodyPr>
+              <a:lstStyle/>
+              <a:p>
+                <a:pPr algn="ctr"/>
+                <a:r>
+                  <a:rPr lang="en-US" smtClean="0">
+                    <a:solidFill>
+                      <a:srgbClr val="00B050"/>
+                    </a:solidFill>
+                  </a:rPr>
+                  <a:t>5% q-value</a:t>
+                </a:r>
+                <a:endParaRPr lang="en-US">
+                  <a:solidFill>
+                    <a:srgbClr val="00B050"/>
+                  </a:solidFill>
+                </a:endParaRPr>
+              </a:p>
+            </p:txBody>
+          </p:sp>
+          <p:sp>
+            <p:nvSpPr>
+              <p:cNvPr id="65" name="Textfeld 64"/>
+              <p:cNvSpPr txBox="1"/>
+              <p:nvPr/>
+            </p:nvSpPr>
+            <p:spPr>
+              <a:xfrm>
+                <a:off x="1062473" y="3587497"/>
+                <a:ext cx="3025140" cy="369332"/>
+              </a:xfrm>
+              <a:prstGeom prst="rect">
+                <a:avLst/>
+              </a:prstGeom>
+              <a:noFill/>
+            </p:spPr>
+            <p:txBody>
+              <a:bodyPr wrap="square" rtlCol="0">
+                <a:spAutoFit/>
+              </a:bodyPr>
+              <a:lstStyle/>
+              <a:p>
+                <a:pPr algn="ctr"/>
+                <a:r>
+                  <a:rPr lang="en-US" b="1" smtClean="0">
+                    <a:solidFill>
+                      <a:schemeClr val="accent1"/>
+                    </a:solidFill>
+                  </a:rPr>
+                  <a:t>Training</a:t>
+                </a:r>
+                <a:endParaRPr lang="en-US" b="1">
+                  <a:solidFill>
+                    <a:schemeClr val="accent1"/>
+                  </a:solidFill>
+                </a:endParaRPr>
+              </a:p>
+            </p:txBody>
+          </p:sp>
+        </p:grpSp>
+        <p:grpSp>
+          <p:nvGrpSpPr>
+            <p:cNvPr id="2" name="Gruppieren 1"/>
+            <p:cNvGrpSpPr/>
+            <p:nvPr/>
+          </p:nvGrpSpPr>
+          <p:grpSpPr>
+            <a:xfrm>
+              <a:off x="5157839" y="3388967"/>
+              <a:ext cx="1508760" cy="1974608"/>
+              <a:chOff x="5157839" y="3388967"/>
+              <a:chExt cx="1508760" cy="1974608"/>
+            </a:xfrm>
+          </p:grpSpPr>
+          <p:sp>
+            <p:nvSpPr>
+              <p:cNvPr id="70" name="Pfeil nach rechts 69"/>
+              <p:cNvSpPr/>
+              <p:nvPr/>
+            </p:nvSpPr>
+            <p:spPr>
+              <a:xfrm>
+                <a:off x="5433312" y="4359256"/>
+                <a:ext cx="961043" cy="1004319"/>
+              </a:xfrm>
+              <a:prstGeom prst="rightArrow">
+                <a:avLst/>
+              </a:prstGeom>
+            </p:spPr>
+            <p:style>
+              <a:lnRef idx="2">
+                <a:schemeClr val="accent1">
+                  <a:shade val="50000"/>
+                </a:schemeClr>
+              </a:lnRef>
+              <a:fillRef idx="1">
+                <a:schemeClr val="accent1"/>
+              </a:fillRef>
+              <a:effectRef idx="0">
+                <a:schemeClr val="accent1"/>
+              </a:effectRef>
+              <a:fontRef idx="minor">
+                <a:schemeClr val="lt1"/>
+              </a:fontRef>
+            </p:style>
+            <p:txBody>
+              <a:bodyPr rtlCol="0" anchor="ctr"/>
+              <a:lstStyle/>
+              <a:p>
+                <a:pPr algn="r"/>
+                <a:r>
+                  <a:rPr lang="en-US" sz="3200" smtClean="0">
+                    <a:solidFill>
+                      <a:schemeClr val="bg1"/>
+                    </a:solidFill>
+                  </a:rPr>
+                  <a:t>3x</a:t>
+                </a:r>
+                <a:endParaRPr lang="en-US">
+                  <a:solidFill>
+                    <a:schemeClr val="bg1"/>
+                  </a:solidFill>
+                </a:endParaRPr>
+              </a:p>
+            </p:txBody>
+          </p:sp>
+          <p:sp>
+            <p:nvSpPr>
+              <p:cNvPr id="63" name="Abgerundetes Rechteck 62"/>
+              <p:cNvSpPr/>
+              <p:nvPr/>
+            </p:nvSpPr>
+            <p:spPr>
+              <a:xfrm>
+                <a:off x="5157839" y="3753643"/>
+                <a:ext cx="1508760" cy="539496"/>
+              </a:xfrm>
+              <a:prstGeom prst="roundRect">
+                <a:avLst/>
+              </a:prstGeom>
+              <a:solidFill>
+                <a:schemeClr val="accent4"/>
+              </a:solidFill>
+            </p:spPr>
+            <p:style>
+              <a:lnRef idx="2">
+                <a:schemeClr val="accent1">
+                  <a:shade val="50000"/>
+                </a:schemeClr>
+              </a:lnRef>
+              <a:fillRef idx="1">
+                <a:schemeClr val="accent1"/>
+              </a:fillRef>
+              <a:effectRef idx="0">
+                <a:schemeClr val="accent1"/>
+              </a:effectRef>
+              <a:fontRef idx="minor">
+                <a:schemeClr val="lt1"/>
+              </a:fontRef>
+            </p:style>
+            <p:txBody>
+              <a:bodyPr rtlCol="0" anchor="ctr"/>
+              <a:lstStyle/>
+              <a:p>
+                <a:pPr algn="ctr"/>
+                <a:endParaRPr lang="en-US"/>
+              </a:p>
+            </p:txBody>
+          </p:sp>
+          <p:sp>
+            <p:nvSpPr>
+              <p:cNvPr id="64" name="Textfeld 63"/>
+              <p:cNvSpPr txBox="1"/>
+              <p:nvPr/>
+            </p:nvSpPr>
+            <p:spPr>
+              <a:xfrm>
+                <a:off x="5157839" y="3388967"/>
+                <a:ext cx="1508760" cy="369332"/>
+              </a:xfrm>
+              <a:prstGeom prst="rect">
+                <a:avLst/>
+              </a:prstGeom>
+              <a:noFill/>
+            </p:spPr>
+            <p:txBody>
+              <a:bodyPr wrap="square" rtlCol="0">
+                <a:spAutoFit/>
+              </a:bodyPr>
+              <a:lstStyle/>
+              <a:p>
+                <a:pPr algn="ctr"/>
+                <a:r>
+                  <a:rPr lang="en-US" b="1" smtClean="0">
+                    <a:solidFill>
+                      <a:schemeClr val="accent4"/>
+                    </a:solidFill>
+                  </a:rPr>
+                  <a:t>Scoring</a:t>
+                </a:r>
+                <a:endParaRPr lang="en-US" b="1">
+                  <a:solidFill>
+                    <a:schemeClr val="accent4"/>
+                  </a:solidFill>
+                </a:endParaRPr>
+              </a:p>
+            </p:txBody>
+          </p:sp>
+        </p:grpSp>
+      </p:grpSp>
     </p:spTree>
     <p:extLst>
       <p:ext uri="{BB962C8B-B14F-4D97-AF65-F5344CB8AC3E}">
